--- a/3神的威權.pptx
+++ b/3神的威權.pptx
@@ -13,7 +13,7 @@
     <p:sldId id="260" r:id="rId7"/>
     <p:sldId id="261" r:id="rId8"/>
   </p:sldIdLst>
-  <p:sldSz cx="9144000" cy="6858000" type="screen4x3"/>
+  <p:sldSz cx="9144000" cy="5143500" type="screen16x9"/>
   <p:notesSz cx="6858000" cy="9144000"/>
   <p:defaultTextStyle>
     <a:defPPr>
@@ -112,7 +112,7 @@
   </p:defaultTextStyle>
   <p:extLst>
     <p:ext uri="{EFAFB233-063F-42B5-8137-9DF3F51BA10A}">
-      <p15:sldGuideLst xmlns:p15="http://schemas.microsoft.com/office/powerpoint/2012/main" xmlns="">
+      <p15:sldGuideLst xmlns="" xmlns:p15="http://schemas.microsoft.com/office/powerpoint/2012/main">
         <p15:guide id="1" orient="horz" pos="2160">
           <p15:clr>
             <a:srgbClr val="A4A3A4"/>
@@ -163,8 +163,8 @@
         </p:nvSpPr>
         <p:spPr>
           <a:xfrm>
-            <a:off x="2286000" y="3124200"/>
-            <a:ext cx="6172200" cy="1894362"/>
+            <a:off x="2286000" y="2343150"/>
+            <a:ext cx="6172200" cy="1420772"/>
           </a:xfrm>
         </p:spPr>
         <p:txBody>
@@ -195,8 +195,8 @@
         </p:nvSpPr>
         <p:spPr>
           <a:xfrm>
-            <a:off x="2286000" y="5003322"/>
-            <a:ext cx="6172200" cy="1371600"/>
+            <a:off x="2286000" y="3752492"/>
+            <a:ext cx="6172200" cy="1028700"/>
           </a:xfrm>
         </p:spPr>
         <p:txBody>
@@ -256,8 +256,8 @@
         </p:nvSpPr>
         <p:spPr bwMode="auto">
           <a:xfrm rot="5400000">
-            <a:off x="7764621" y="1174097"/>
-            <a:ext cx="2286000" cy="381000"/>
+            <a:off x="8050371" y="832948"/>
+            <a:ext cx="1714500" cy="381000"/>
           </a:xfrm>
         </p:spPr>
         <p:txBody>
@@ -267,7 +267,7 @@
             <a:fld id="{86B5546F-C09B-4E63-ABC5-F7C86A7E8D66}" type="datetimeFigureOut">
               <a:rPr lang="en-US" smtClean="0"/>
               <a:pPr/>
-              <a:t>1/13/2018</a:t>
+              <a:t>10/12/2019</a:t>
             </a:fld>
             <a:endParaRPr lang="en-US"/>
           </a:p>
@@ -285,8 +285,8 @@
         </p:nvSpPr>
         <p:spPr bwMode="auto">
           <a:xfrm rot="5400000">
-            <a:off x="7077269" y="4181669"/>
-            <a:ext cx="3657600" cy="384048"/>
+            <a:off x="7534469" y="3088246"/>
+            <a:ext cx="2743200" cy="384048"/>
           </a:xfrm>
         </p:spPr>
         <p:txBody>
@@ -306,7 +306,7 @@
         <p:spPr bwMode="auto">
           <a:xfrm>
             <a:off x="381000" y="0"/>
-            <a:ext cx="609600" cy="6858000"/>
+            <a:ext cx="609600" cy="5143500"/>
           </a:xfrm>
           <a:prstGeom prst="rect">
             <a:avLst/>
@@ -355,7 +355,7 @@
         <p:spPr bwMode="auto">
           <a:xfrm>
             <a:off x="276336" y="0"/>
-            <a:ext cx="104664" cy="6858000"/>
+            <a:ext cx="104664" cy="5143500"/>
           </a:xfrm>
           <a:prstGeom prst="rect">
             <a:avLst/>
@@ -404,7 +404,7 @@
         <p:spPr bwMode="auto">
           <a:xfrm>
             <a:off x="990600" y="0"/>
-            <a:ext cx="181872" cy="6858000"/>
+            <a:ext cx="181872" cy="5143500"/>
           </a:xfrm>
           <a:prstGeom prst="rect">
             <a:avLst/>
@@ -453,7 +453,7 @@
         <p:spPr bwMode="auto">
           <a:xfrm>
             <a:off x="1141320" y="0"/>
-            <a:ext cx="230280" cy="6858000"/>
+            <a:ext cx="230280" cy="5143500"/>
           </a:xfrm>
           <a:prstGeom prst="rect">
             <a:avLst/>
@@ -504,7 +504,7 @@
         <p:spPr bwMode="auto">
           <a:xfrm>
             <a:off x="106344" y="0"/>
-            <a:ext cx="0" cy="6858000"/>
+            <a:ext cx="0" cy="5143500"/>
           </a:xfrm>
           <a:prstGeom prst="line">
             <a:avLst/>
@@ -543,7 +543,7 @@
         <p:spPr bwMode="auto">
           <a:xfrm>
             <a:off x="914400" y="0"/>
-            <a:ext cx="0" cy="6858000"/>
+            <a:ext cx="0" cy="5143500"/>
           </a:xfrm>
           <a:prstGeom prst="line">
             <a:avLst/>
@@ -582,7 +582,7 @@
         <p:spPr bwMode="auto">
           <a:xfrm>
             <a:off x="854112" y="0"/>
-            <a:ext cx="0" cy="6858000"/>
+            <a:ext cx="0" cy="5143500"/>
           </a:xfrm>
           <a:prstGeom prst="line">
             <a:avLst/>
@@ -620,7 +620,7 @@
         <p:spPr bwMode="auto">
           <a:xfrm>
             <a:off x="1726640" y="0"/>
-            <a:ext cx="0" cy="6858000"/>
+            <a:ext cx="0" cy="5143500"/>
           </a:xfrm>
           <a:prstGeom prst="line">
             <a:avLst/>
@@ -659,7 +659,7 @@
         <p:spPr bwMode="auto">
           <a:xfrm>
             <a:off x="1066800" y="0"/>
-            <a:ext cx="0" cy="6858000"/>
+            <a:ext cx="0" cy="5143500"/>
           </a:xfrm>
           <a:prstGeom prst="line">
             <a:avLst/>
@@ -697,7 +697,7 @@
         <p:spPr bwMode="auto">
           <a:xfrm>
             <a:off x="9113856" y="0"/>
-            <a:ext cx="0" cy="6858000"/>
+            <a:ext cx="0" cy="5143500"/>
           </a:xfrm>
           <a:prstGeom prst="line">
             <a:avLst/>
@@ -733,7 +733,7 @@
         <p:spPr bwMode="auto">
           <a:xfrm>
             <a:off x="1219200" y="0"/>
-            <a:ext cx="76200" cy="6858000"/>
+            <a:ext cx="76200" cy="5143500"/>
           </a:xfrm>
           <a:prstGeom prst="rect">
             <a:avLst/>
@@ -781,8 +781,8 @@
         </p:nvSpPr>
         <p:spPr bwMode="auto">
           <a:xfrm>
-            <a:off x="609600" y="3429000"/>
-            <a:ext cx="1295400" cy="1295400"/>
+            <a:off x="609600" y="2571750"/>
+            <a:ext cx="1295400" cy="971550"/>
           </a:xfrm>
           <a:prstGeom prst="ellipse">
             <a:avLst/>
@@ -827,8 +827,8 @@
         </p:nvSpPr>
         <p:spPr bwMode="auto">
           <a:xfrm>
-            <a:off x="1309632" y="4866752"/>
-            <a:ext cx="641424" cy="641424"/>
+            <a:off x="1309632" y="3650064"/>
+            <a:ext cx="641424" cy="481068"/>
           </a:xfrm>
           <a:prstGeom prst="ellipse">
             <a:avLst/>
@@ -870,8 +870,8 @@
         </p:nvSpPr>
         <p:spPr bwMode="auto">
           <a:xfrm>
-            <a:off x="1091080" y="5500632"/>
-            <a:ext cx="137160" cy="137160"/>
+            <a:off x="1091080" y="4125474"/>
+            <a:ext cx="137160" cy="102870"/>
           </a:xfrm>
           <a:prstGeom prst="ellipse">
             <a:avLst/>
@@ -913,8 +913,8 @@
         </p:nvSpPr>
         <p:spPr bwMode="auto">
           <a:xfrm>
-            <a:off x="1664208" y="5788152"/>
-            <a:ext cx="274320" cy="274320"/>
+            <a:off x="1664208" y="4341114"/>
+            <a:ext cx="274320" cy="205740"/>
           </a:xfrm>
           <a:prstGeom prst="ellipse">
             <a:avLst/>
@@ -956,8 +956,8 @@
         </p:nvSpPr>
         <p:spPr>
           <a:xfrm>
-            <a:off x="1905000" y="4495800"/>
-            <a:ext cx="365760" cy="365760"/>
+            <a:off x="1905000" y="3371850"/>
+            <a:ext cx="365760" cy="274320"/>
           </a:xfrm>
           <a:prstGeom prst="ellipse">
             <a:avLst/>
@@ -1003,8 +1003,8 @@
         </p:nvSpPr>
         <p:spPr bwMode="auto">
           <a:xfrm>
-            <a:off x="1325544" y="4928702"/>
-            <a:ext cx="609600" cy="517524"/>
+            <a:off x="1325544" y="3696527"/>
+            <a:ext cx="609600" cy="388143"/>
           </a:xfrm>
         </p:spPr>
         <p:txBody>
@@ -1138,7 +1138,7 @@
             <a:fld id="{86B5546F-C09B-4E63-ABC5-F7C86A7E8D66}" type="datetimeFigureOut">
               <a:rPr lang="en-US" smtClean="0"/>
               <a:pPr/>
-              <a:t>1/13/2018</a:t>
+              <a:t>10/12/2019</a:t>
             </a:fld>
             <a:endParaRPr lang="en-US"/>
           </a:p>
@@ -1224,8 +1224,8 @@
         </p:nvSpPr>
         <p:spPr>
           <a:xfrm>
-            <a:off x="6629400" y="274639"/>
-            <a:ext cx="1676400" cy="5851525"/>
+            <a:off x="6629400" y="205980"/>
+            <a:ext cx="1676400" cy="4388644"/>
           </a:xfrm>
         </p:spPr>
         <p:txBody>
@@ -1252,8 +1252,8 @@
         </p:nvSpPr>
         <p:spPr>
           <a:xfrm>
-            <a:off x="457200" y="274638"/>
-            <a:ext cx="6019800" cy="5851525"/>
+            <a:off x="457200" y="205979"/>
+            <a:ext cx="6019800" cy="4388644"/>
           </a:xfrm>
         </p:spPr>
         <p:txBody>
@@ -1315,7 +1315,7 @@
             <a:fld id="{86B5546F-C09B-4E63-ABC5-F7C86A7E8D66}" type="datetimeFigureOut">
               <a:rPr lang="en-US" smtClean="0"/>
               <a:pPr/>
-              <a:t>1/13/2018</a:t>
+              <a:t>10/12/2019</a:t>
             </a:fld>
             <a:endParaRPr lang="en-US"/>
           </a:p>
@@ -1424,8 +1424,8 @@
         </p:nvSpPr>
         <p:spPr>
           <a:xfrm>
-            <a:off x="457200" y="1600200"/>
-            <a:ext cx="7467600" cy="4873752"/>
+            <a:off x="457200" y="1200150"/>
+            <a:ext cx="7467600" cy="3655314"/>
           </a:xfrm>
         </p:spPr>
         <p:txBody>
@@ -1487,7 +1487,7 @@
             <a:fld id="{86B5546F-C09B-4E63-ABC5-F7C86A7E8D66}" type="datetimeFigureOut">
               <a:rPr lang="en-US" smtClean="0"/>
               <a:pPr/>
-              <a:t>1/13/2018</a:t>
+              <a:t>10/12/2019</a:t>
             </a:fld>
             <a:endParaRPr lang="en-US"/>
           </a:p>
@@ -1578,8 +1578,8 @@
         </p:nvSpPr>
         <p:spPr>
           <a:xfrm>
-            <a:off x="2286000" y="2895600"/>
-            <a:ext cx="6172200" cy="2053590"/>
+            <a:off x="2286000" y="2171700"/>
+            <a:ext cx="6172200" cy="1540193"/>
           </a:xfrm>
         </p:spPr>
         <p:txBody>
@@ -1611,8 +1611,8 @@
         </p:nvSpPr>
         <p:spPr>
           <a:xfrm>
-            <a:off x="2286000" y="5010150"/>
-            <a:ext cx="6172200" cy="1371600"/>
+            <a:off x="2286000" y="3757613"/>
+            <a:ext cx="6172200" cy="1028700"/>
           </a:xfrm>
         </p:spPr>
         <p:txBody>
@@ -1688,8 +1688,8 @@
         </p:nvSpPr>
         <p:spPr bwMode="auto">
           <a:xfrm rot="5400000">
-            <a:off x="7763256" y="1170432"/>
-            <a:ext cx="2286000" cy="381000"/>
+            <a:off x="8049006" y="830199"/>
+            <a:ext cx="1714500" cy="381000"/>
           </a:xfrm>
         </p:spPr>
         <p:txBody>
@@ -1699,7 +1699,7 @@
             <a:fld id="{86B5546F-C09B-4E63-ABC5-F7C86A7E8D66}" type="datetimeFigureOut">
               <a:rPr lang="en-US" smtClean="0"/>
               <a:pPr/>
-              <a:t>1/13/2018</a:t>
+              <a:t>10/12/2019</a:t>
             </a:fld>
             <a:endParaRPr lang="en-US"/>
           </a:p>
@@ -1717,8 +1717,8 @@
         </p:nvSpPr>
         <p:spPr bwMode="auto">
           <a:xfrm rot="5400000">
-            <a:off x="7077456" y="4178808"/>
-            <a:ext cx="3657600" cy="384048"/>
+            <a:off x="7534656" y="3086100"/>
+            <a:ext cx="2743200" cy="384048"/>
           </a:xfrm>
         </p:spPr>
         <p:txBody>
@@ -1738,7 +1738,7 @@
         <p:spPr bwMode="auto">
           <a:xfrm>
             <a:off x="381000" y="0"/>
-            <a:ext cx="609600" cy="6858000"/>
+            <a:ext cx="609600" cy="5143500"/>
           </a:xfrm>
           <a:prstGeom prst="rect">
             <a:avLst/>
@@ -1787,7 +1787,7 @@
         <p:spPr bwMode="auto">
           <a:xfrm>
             <a:off x="276336" y="0"/>
-            <a:ext cx="104664" cy="6858000"/>
+            <a:ext cx="104664" cy="5143500"/>
           </a:xfrm>
           <a:prstGeom prst="rect">
             <a:avLst/>
@@ -1836,7 +1836,7 @@
         <p:spPr bwMode="auto">
           <a:xfrm>
             <a:off x="990600" y="0"/>
-            <a:ext cx="181872" cy="6858000"/>
+            <a:ext cx="181872" cy="5143500"/>
           </a:xfrm>
           <a:prstGeom prst="rect">
             <a:avLst/>
@@ -1885,7 +1885,7 @@
         <p:spPr bwMode="auto">
           <a:xfrm>
             <a:off x="1141320" y="0"/>
-            <a:ext cx="230280" cy="6858000"/>
+            <a:ext cx="230280" cy="5143500"/>
           </a:xfrm>
           <a:prstGeom prst="rect">
             <a:avLst/>
@@ -1936,7 +1936,7 @@
         <p:spPr bwMode="auto">
           <a:xfrm>
             <a:off x="106344" y="0"/>
-            <a:ext cx="0" cy="6858000"/>
+            <a:ext cx="0" cy="5143500"/>
           </a:xfrm>
           <a:prstGeom prst="line">
             <a:avLst/>
@@ -1975,7 +1975,7 @@
         <p:spPr bwMode="auto">
           <a:xfrm>
             <a:off x="914400" y="0"/>
-            <a:ext cx="0" cy="6858000"/>
+            <a:ext cx="0" cy="5143500"/>
           </a:xfrm>
           <a:prstGeom prst="line">
             <a:avLst/>
@@ -2014,7 +2014,7 @@
         <p:spPr bwMode="auto">
           <a:xfrm>
             <a:off x="854112" y="0"/>
-            <a:ext cx="0" cy="6858000"/>
+            <a:ext cx="0" cy="5143500"/>
           </a:xfrm>
           <a:prstGeom prst="line">
             <a:avLst/>
@@ -2052,7 +2052,7 @@
         <p:spPr bwMode="auto">
           <a:xfrm>
             <a:off x="1726640" y="0"/>
-            <a:ext cx="0" cy="6858000"/>
+            <a:ext cx="0" cy="5143500"/>
           </a:xfrm>
           <a:prstGeom prst="line">
             <a:avLst/>
@@ -2091,7 +2091,7 @@
         <p:spPr bwMode="auto">
           <a:xfrm>
             <a:off x="1066800" y="0"/>
-            <a:ext cx="0" cy="6858000"/>
+            <a:ext cx="0" cy="5143500"/>
           </a:xfrm>
           <a:prstGeom prst="line">
             <a:avLst/>
@@ -2127,7 +2127,7 @@
         <p:spPr bwMode="auto">
           <a:xfrm>
             <a:off x="1219200" y="0"/>
-            <a:ext cx="76200" cy="6858000"/>
+            <a:ext cx="76200" cy="5143500"/>
           </a:xfrm>
           <a:prstGeom prst="rect">
             <a:avLst/>
@@ -2175,8 +2175,8 @@
         </p:nvSpPr>
         <p:spPr bwMode="auto">
           <a:xfrm>
-            <a:off x="609600" y="3429000"/>
-            <a:ext cx="1295400" cy="1295400"/>
+            <a:off x="609600" y="2571750"/>
+            <a:ext cx="1295400" cy="971550"/>
           </a:xfrm>
           <a:prstGeom prst="ellipse">
             <a:avLst/>
@@ -2218,8 +2218,8 @@
         </p:nvSpPr>
         <p:spPr bwMode="auto">
           <a:xfrm>
-            <a:off x="1324704" y="4866752"/>
-            <a:ext cx="641424" cy="641424"/>
+            <a:off x="1324704" y="3650064"/>
+            <a:ext cx="641424" cy="481068"/>
           </a:xfrm>
           <a:prstGeom prst="ellipse">
             <a:avLst/>
@@ -2261,8 +2261,8 @@
         </p:nvSpPr>
         <p:spPr bwMode="auto">
           <a:xfrm>
-            <a:off x="1091080" y="5500632"/>
-            <a:ext cx="137160" cy="137160"/>
+            <a:off x="1091080" y="4125474"/>
+            <a:ext cx="137160" cy="102870"/>
           </a:xfrm>
           <a:prstGeom prst="ellipse">
             <a:avLst/>
@@ -2304,8 +2304,8 @@
         </p:nvSpPr>
         <p:spPr bwMode="auto">
           <a:xfrm>
-            <a:off x="1664208" y="5791200"/>
-            <a:ext cx="274320" cy="274320"/>
+            <a:off x="1664208" y="4343400"/>
+            <a:ext cx="274320" cy="205740"/>
           </a:xfrm>
           <a:prstGeom prst="ellipse">
             <a:avLst/>
@@ -2347,8 +2347,8 @@
         </p:nvSpPr>
         <p:spPr bwMode="auto">
           <a:xfrm>
-            <a:off x="1879040" y="4479888"/>
-            <a:ext cx="365760" cy="365760"/>
+            <a:off x="1879040" y="3359916"/>
+            <a:ext cx="365760" cy="274320"/>
           </a:xfrm>
           <a:prstGeom prst="ellipse">
             <a:avLst/>
@@ -2393,7 +2393,7 @@
         <p:spPr bwMode="auto">
           <a:xfrm>
             <a:off x="9097944" y="0"/>
-            <a:ext cx="0" cy="6858000"/>
+            <a:ext cx="0" cy="5143500"/>
           </a:xfrm>
           <a:prstGeom prst="line">
             <a:avLst/>
@@ -2432,8 +2432,8 @@
         </p:nvSpPr>
         <p:spPr bwMode="auto">
           <a:xfrm>
-            <a:off x="1340616" y="4928702"/>
-            <a:ext cx="609600" cy="517524"/>
+            <a:off x="1340616" y="3696527"/>
+            <a:ext cx="609600" cy="388143"/>
           </a:xfrm>
         </p:spPr>
         <p:txBody>
@@ -2515,7 +2515,7 @@
             <a:fld id="{86B5546F-C09B-4E63-ABC5-F7C86A7E8D66}" type="datetimeFigureOut">
               <a:rPr lang="en-US" smtClean="0"/>
               <a:pPr/>
-              <a:t>1/13/2018</a:t>
+              <a:t>10/12/2019</a:t>
             </a:fld>
             <a:endParaRPr lang="en-US"/>
           </a:p>
@@ -2576,8 +2576,8 @@
         </p:nvSpPr>
         <p:spPr>
           <a:xfrm>
-            <a:off x="457200" y="1600200"/>
-            <a:ext cx="3657600" cy="4572000"/>
+            <a:off x="457200" y="1200150"/>
+            <a:ext cx="3657600" cy="3429000"/>
           </a:xfrm>
         </p:spPr>
         <p:txBody>
@@ -2633,8 +2633,8 @@
         </p:nvSpPr>
         <p:spPr>
           <a:xfrm>
-            <a:off x="4270248" y="1600200"/>
-            <a:ext cx="3657600" cy="4572000"/>
+            <a:off x="4270248" y="1200150"/>
+            <a:ext cx="3657600" cy="3429000"/>
           </a:xfrm>
         </p:spPr>
         <p:txBody>
@@ -2715,8 +2715,8 @@
         </p:nvSpPr>
         <p:spPr>
           <a:xfrm>
-            <a:off x="457200" y="273050"/>
-            <a:ext cx="7543800" cy="1143000"/>
+            <a:off x="457200" y="204788"/>
+            <a:ext cx="7543800" cy="857250"/>
           </a:xfrm>
         </p:spPr>
         <p:txBody>
@@ -2753,7 +2753,7 @@
             <a:fld id="{86B5546F-C09B-4E63-ABC5-F7C86A7E8D66}" type="datetimeFigureOut">
               <a:rPr lang="en-US" smtClean="0"/>
               <a:pPr/>
-              <a:t>1/13/2018</a:t>
+              <a:t>10/12/2019</a:t>
             </a:fld>
             <a:endParaRPr lang="en-US"/>
           </a:p>
@@ -2814,8 +2814,8 @@
         </p:nvSpPr>
         <p:spPr>
           <a:xfrm>
-            <a:off x="457200" y="2362200"/>
-            <a:ext cx="3657600" cy="3886200"/>
+            <a:off x="457200" y="1771650"/>
+            <a:ext cx="3657600" cy="2914650"/>
           </a:xfrm>
         </p:spPr>
         <p:txBody>
@@ -2871,8 +2871,8 @@
         </p:nvSpPr>
         <p:spPr>
           <a:xfrm>
-            <a:off x="4371975" y="2362200"/>
-            <a:ext cx="3657600" cy="3886200"/>
+            <a:off x="4371975" y="1771650"/>
+            <a:ext cx="3657600" cy="2914650"/>
           </a:xfrm>
         </p:spPr>
         <p:txBody>
@@ -2928,8 +2928,8 @@
         </p:nvSpPr>
         <p:spPr>
           <a:xfrm>
-            <a:off x="457200" y="1569720"/>
-            <a:ext cx="3657600" cy="658368"/>
+            <a:off x="457200" y="1177290"/>
+            <a:ext cx="3657600" cy="493776"/>
           </a:xfrm>
           <a:prstGeom prst="roundRect">
             <a:avLst>
@@ -2976,8 +2976,8 @@
         </p:nvSpPr>
         <p:spPr>
           <a:xfrm>
-            <a:off x="4343400" y="1569720"/>
-            <a:ext cx="3657600" cy="658368"/>
+            <a:off x="4343400" y="1177290"/>
+            <a:ext cx="3657600" cy="493776"/>
           </a:xfrm>
           <a:prstGeom prst="roundRect">
             <a:avLst>
@@ -3078,7 +3078,7 @@
             <a:fld id="{86B5546F-C09B-4E63-ABC5-F7C86A7E8D66}" type="datetimeFigureOut">
               <a:rPr lang="en-US" smtClean="0"/>
               <a:pPr/>
-              <a:t>1/13/2018</a:t>
+              <a:t>10/12/2019</a:t>
             </a:fld>
             <a:endParaRPr lang="en-US"/>
           </a:p>
@@ -3170,7 +3170,7 @@
             <a:fld id="{86B5546F-C09B-4E63-ABC5-F7C86A7E8D66}" type="datetimeFigureOut">
               <a:rPr lang="en-US" smtClean="0"/>
               <a:pPr/>
-              <a:t>1/13/2018</a:t>
+              <a:t>10/12/2019</a:t>
             </a:fld>
             <a:endParaRPr lang="en-US"/>
           </a:p>
@@ -3260,7 +3260,7 @@
         <p:spPr bwMode="auto">
           <a:xfrm>
             <a:off x="8763000" y="0"/>
-            <a:ext cx="0" cy="6858000"/>
+            <a:ext cx="0" cy="5143500"/>
           </a:xfrm>
           <a:prstGeom prst="line">
             <a:avLst/>
@@ -3300,8 +3300,8 @@
         </p:nvSpPr>
         <p:spPr>
           <a:xfrm rot="5400000">
-            <a:off x="3371850" y="3200400"/>
-            <a:ext cx="6309360" cy="457200"/>
+            <a:off x="4160520" y="2343150"/>
+            <a:ext cx="4732020" cy="457200"/>
           </a:xfrm>
         </p:spPr>
         <p:txBody>
@@ -3333,8 +3333,8 @@
         </p:nvSpPr>
         <p:spPr>
           <a:xfrm>
-            <a:off x="6812280" y="274320"/>
-            <a:ext cx="1527048" cy="4983480"/>
+            <a:off x="6812280" y="205740"/>
+            <a:ext cx="1527048" cy="3737610"/>
           </a:xfrm>
         </p:spPr>
         <p:txBody>
@@ -3387,7 +3387,7 @@
         <p:spPr bwMode="auto">
           <a:xfrm>
             <a:off x="6248400" y="0"/>
-            <a:ext cx="0" cy="6858000"/>
+            <a:ext cx="0" cy="5143500"/>
           </a:xfrm>
           <a:prstGeom prst="line">
             <a:avLst/>
@@ -3425,7 +3425,7 @@
         <p:spPr bwMode="auto">
           <a:xfrm>
             <a:off x="6192296" y="0"/>
-            <a:ext cx="0" cy="6858000"/>
+            <a:ext cx="0" cy="5143500"/>
           </a:xfrm>
           <a:prstGeom prst="line">
             <a:avLst/>
@@ -3461,7 +3461,7 @@
         <p:spPr bwMode="auto">
           <a:xfrm>
             <a:off x="8991600" y="0"/>
-            <a:ext cx="0" cy="6858000"/>
+            <a:ext cx="0" cy="5143500"/>
           </a:xfrm>
           <a:prstGeom prst="line">
             <a:avLst/>
@@ -3495,7 +3495,7 @@
         <p:spPr bwMode="auto">
           <a:xfrm>
             <a:off x="8839200" y="0"/>
-            <a:ext cx="304800" cy="6858000"/>
+            <a:ext cx="304800" cy="5143500"/>
           </a:xfrm>
           <a:prstGeom prst="rect">
             <a:avLst/>
@@ -3546,7 +3546,7 @@
         <p:spPr bwMode="auto">
           <a:xfrm>
             <a:off x="8915400" y="0"/>
-            <a:ext cx="0" cy="6858000"/>
+            <a:ext cx="0" cy="5143500"/>
           </a:xfrm>
           <a:prstGeom prst="line">
             <a:avLst/>
@@ -3579,8 +3579,8 @@
         </p:nvSpPr>
         <p:spPr>
           <a:xfrm>
-            <a:off x="8156448" y="5715000"/>
-            <a:ext cx="548640" cy="548640"/>
+            <a:off x="8156448" y="4286250"/>
+            <a:ext cx="548640" cy="411480"/>
           </a:xfrm>
           <a:prstGeom prst="ellipse">
             <a:avLst/>
@@ -3626,8 +3626,8 @@
         </p:nvSpPr>
         <p:spPr>
           <a:xfrm>
-            <a:off x="304800" y="274320"/>
-            <a:ext cx="5638800" cy="6327648"/>
+            <a:off x="304800" y="205740"/>
+            <a:ext cx="5638800" cy="4745736"/>
           </a:xfrm>
         </p:spPr>
         <p:txBody>
@@ -3689,7 +3689,7 @@
             <a:fld id="{86B5546F-C09B-4E63-ABC5-F7C86A7E8D66}" type="datetimeFigureOut">
               <a:rPr lang="en-US" smtClean="0"/>
               <a:pPr/>
-              <a:t>1/13/2018</a:t>
+              <a:t>10/12/2019</a:t>
             </a:fld>
             <a:endParaRPr lang="en-US"/>
           </a:p>
@@ -3774,7 +3774,7 @@
         <p:spPr bwMode="auto">
           <a:xfrm>
             <a:off x="8763000" y="0"/>
-            <a:ext cx="0" cy="6858000"/>
+            <a:ext cx="0" cy="5143500"/>
           </a:xfrm>
           <a:prstGeom prst="line">
             <a:avLst/>
@@ -3809,8 +3809,8 @@
         </p:nvSpPr>
         <p:spPr>
           <a:xfrm>
-            <a:off x="8156448" y="5715000"/>
-            <a:ext cx="548640" cy="548640"/>
+            <a:off x="8156448" y="4286250"/>
+            <a:ext cx="548640" cy="411480"/>
           </a:xfrm>
           <a:prstGeom prst="ellipse">
             <a:avLst/>
@@ -3856,8 +3856,8 @@
         </p:nvSpPr>
         <p:spPr>
           <a:xfrm rot="5400000">
-            <a:off x="3350133" y="3200400"/>
-            <a:ext cx="6309360" cy="457200"/>
+            <a:off x="4138803" y="2343150"/>
+            <a:ext cx="4732020" cy="457200"/>
           </a:xfrm>
         </p:spPr>
         <p:txBody>
@@ -3890,7 +3890,7 @@
         <p:spPr>
           <a:xfrm>
             <a:off x="0" y="0"/>
-            <a:ext cx="6172200" cy="6858000"/>
+            <a:ext cx="6172200" cy="5143500"/>
           </a:xfrm>
           <a:solidFill>
             <a:schemeClr val="bg2"/>
@@ -3948,8 +3948,8 @@
         </p:nvSpPr>
         <p:spPr>
           <a:xfrm>
-            <a:off x="6765798" y="264795"/>
-            <a:ext cx="1524000" cy="4956048"/>
+            <a:off x="6765798" y="198596"/>
+            <a:ext cx="1524000" cy="3717036"/>
           </a:xfrm>
         </p:spPr>
         <p:txBody>
@@ -4001,7 +4001,7 @@
         <p:spPr bwMode="auto">
           <a:xfrm>
             <a:off x="8991600" y="0"/>
-            <a:ext cx="0" cy="6858000"/>
+            <a:ext cx="0" cy="5143500"/>
           </a:xfrm>
           <a:prstGeom prst="line">
             <a:avLst/>
@@ -4035,7 +4035,7 @@
         <p:spPr bwMode="auto">
           <a:xfrm>
             <a:off x="8839200" y="0"/>
-            <a:ext cx="304800" cy="6858000"/>
+            <a:ext cx="304800" cy="5143500"/>
           </a:xfrm>
           <a:prstGeom prst="rect">
             <a:avLst/>
@@ -4085,7 +4085,7 @@
         <p:spPr bwMode="auto">
           <a:xfrm>
             <a:off x="8915400" y="0"/>
-            <a:ext cx="0" cy="6858000"/>
+            <a:ext cx="0" cy="5143500"/>
           </a:xfrm>
           <a:prstGeom prst="line">
             <a:avLst/>
@@ -4121,7 +4121,7 @@
         <p:spPr bwMode="auto">
           <a:xfrm>
             <a:off x="6248400" y="0"/>
-            <a:ext cx="0" cy="6858000"/>
+            <a:ext cx="0" cy="5143500"/>
           </a:xfrm>
           <a:prstGeom prst="line">
             <a:avLst/>
@@ -4159,7 +4159,7 @@
         <p:spPr bwMode="auto">
           <a:xfrm>
             <a:off x="6192296" y="0"/>
-            <a:ext cx="0" cy="6858000"/>
+            <a:ext cx="0" cy="5143500"/>
           </a:xfrm>
           <a:prstGeom prst="line">
             <a:avLst/>
@@ -4202,7 +4202,7 @@
             <a:fld id="{86B5546F-C09B-4E63-ABC5-F7C86A7E8D66}" type="datetimeFigureOut">
               <a:rPr lang="en-US" smtClean="0"/>
               <a:pPr/>
-              <a:t>1/13/2018</a:t>
+              <a:t>10/12/2019</a:t>
             </a:fld>
             <a:endParaRPr lang="en-US"/>
           </a:p>
@@ -4292,7 +4292,7 @@
         <p:spPr bwMode="auto">
           <a:xfrm>
             <a:off x="8763000" y="0"/>
-            <a:ext cx="0" cy="6858000"/>
+            <a:ext cx="0" cy="5143500"/>
           </a:xfrm>
           <a:prstGeom prst="line">
             <a:avLst/>
@@ -4332,8 +4332,8 @@
         </p:nvSpPr>
         <p:spPr>
           <a:xfrm>
-            <a:off x="457200" y="274638"/>
-            <a:ext cx="7467600" cy="1143000"/>
+            <a:off x="457200" y="205979"/>
+            <a:ext cx="7467600" cy="857250"/>
           </a:xfrm>
           <a:prstGeom prst="rect">
             <a:avLst/>
@@ -4365,8 +4365,8 @@
         </p:nvSpPr>
         <p:spPr>
           <a:xfrm>
-            <a:off x="457200" y="1600200"/>
-            <a:ext cx="7467600" cy="4873752"/>
+            <a:off x="457200" y="1200150"/>
+            <a:ext cx="7467600" cy="3655314"/>
           </a:xfrm>
           <a:prstGeom prst="rect">
             <a:avLst/>
@@ -4427,8 +4427,8 @@
         </p:nvSpPr>
         <p:spPr>
           <a:xfrm rot="5400000">
-            <a:off x="7589520" y="1081851"/>
-            <a:ext cx="2011680" cy="384048"/>
+            <a:off x="7840980" y="763382"/>
+            <a:ext cx="1508760" cy="384048"/>
           </a:xfrm>
           <a:prstGeom prst="rect">
             <a:avLst/>
@@ -4449,7 +4449,7 @@
             <a:fld id="{86B5546F-C09B-4E63-ABC5-F7C86A7E8D66}" type="datetimeFigureOut">
               <a:rPr lang="en-US" smtClean="0"/>
               <a:pPr/>
-              <a:t>1/13/2018</a:t>
+              <a:t>10/12/2019</a:t>
             </a:fld>
             <a:endParaRPr lang="en-US"/>
           </a:p>
@@ -4467,8 +4467,8 @@
         </p:nvSpPr>
         <p:spPr>
           <a:xfrm rot="5400000">
-            <a:off x="6990186" y="3737240"/>
-            <a:ext cx="3200400" cy="365760"/>
+            <a:off x="7390236" y="2757210"/>
+            <a:ext cx="2400300" cy="365760"/>
           </a:xfrm>
           <a:prstGeom prst="rect">
             <a:avLst/>
@@ -4501,7 +4501,7 @@
         <p:spPr bwMode="auto">
           <a:xfrm>
             <a:off x="76200" y="0"/>
-            <a:ext cx="0" cy="6858000"/>
+            <a:ext cx="0" cy="5143500"/>
           </a:xfrm>
           <a:prstGeom prst="line">
             <a:avLst/>
@@ -4539,7 +4539,7 @@
         <p:spPr bwMode="auto">
           <a:xfrm>
             <a:off x="8991600" y="0"/>
-            <a:ext cx="0" cy="6858000"/>
+            <a:ext cx="0" cy="5143500"/>
           </a:xfrm>
           <a:prstGeom prst="line">
             <a:avLst/>
@@ -4573,7 +4573,7 @@
         <p:spPr bwMode="auto">
           <a:xfrm>
             <a:off x="8839200" y="0"/>
-            <a:ext cx="304800" cy="6858000"/>
+            <a:ext cx="304800" cy="5143500"/>
           </a:xfrm>
           <a:prstGeom prst="rect">
             <a:avLst/>
@@ -4624,7 +4624,7 @@
         <p:spPr bwMode="auto">
           <a:xfrm>
             <a:off x="8915400" y="0"/>
-            <a:ext cx="0" cy="6858000"/>
+            <a:ext cx="0" cy="5143500"/>
           </a:xfrm>
           <a:prstGeom prst="line">
             <a:avLst/>
@@ -4657,8 +4657,8 @@
         </p:nvSpPr>
         <p:spPr>
           <a:xfrm>
-            <a:off x="8156448" y="5715000"/>
-            <a:ext cx="548640" cy="548640"/>
+            <a:off x="8156448" y="4286250"/>
+            <a:ext cx="548640" cy="411480"/>
           </a:xfrm>
           <a:prstGeom prst="ellipse">
             <a:avLst/>
@@ -4704,8 +4704,8 @@
         </p:nvSpPr>
         <p:spPr>
           <a:xfrm>
-            <a:off x="8129016" y="5734050"/>
-            <a:ext cx="609600" cy="521208"/>
+            <a:off x="8129016" y="4300538"/>
+            <a:ext cx="609600" cy="390906"/>
           </a:xfrm>
           <a:prstGeom prst="rect">
             <a:avLst/>
@@ -5281,7 +5281,7 @@
         <p:spPr>
           <a:xfrm>
             <a:off x="0" y="0"/>
-            <a:ext cx="9144000" cy="7010400"/>
+            <a:ext cx="8748464" cy="5257800"/>
           </a:xfrm>
         </p:spPr>
         <p:txBody>
@@ -5291,14 +5291,14 @@
           <a:lstStyle/>
           <a:p>
             <a:r>
-              <a:rPr lang="zh-TW" altLang="en-US" sz="6000" dirty="0" smtClean="0">
+              <a:rPr lang="zh-TW" altLang="en-US" sz="4800" dirty="0" smtClean="0">
                 <a:latin typeface="微軟正黑體" pitchFamily="34" charset="-120"/>
                 <a:ea typeface="微軟正黑體" pitchFamily="34" charset="-120"/>
               </a:rPr>
               <a:t>耶和華作王！他以威嚴為衣穿上；耶和華以能力為衣，以能力束腰，世界就堅定，不得動搖。</a:t>
             </a:r>
             <a:r>
-              <a:rPr lang="en-US" altLang="zh-TW" sz="6000" dirty="0" smtClean="0">
+              <a:rPr lang="en-US" altLang="zh-TW" sz="4800" dirty="0" smtClean="0">
                 <a:latin typeface="微軟正黑體" pitchFamily="34" charset="-120"/>
                 <a:ea typeface="微軟正黑體" pitchFamily="34" charset="-120"/>
               </a:rPr>
@@ -5307,7 +5307,7 @@
           </a:p>
           <a:p>
             <a:r>
-              <a:rPr lang="zh-TW" altLang="en-US" sz="6000" b="1" dirty="0" smtClean="0">
+              <a:rPr lang="zh-TW" altLang="en-US" sz="4800" b="1" dirty="0" smtClean="0">
                 <a:latin typeface="微軟正黑體" pitchFamily="34" charset="-120"/>
                 <a:ea typeface="微軟正黑體" pitchFamily="34" charset="-120"/>
               </a:rPr>
@@ -5361,7 +5361,7 @@
         <p:spPr>
           <a:xfrm>
             <a:off x="0" y="0"/>
-            <a:ext cx="9144000" cy="7010400"/>
+            <a:ext cx="8748464" cy="5257800"/>
           </a:xfrm>
         </p:spPr>
         <p:txBody>
@@ -5371,26 +5371,26 @@
           <a:lstStyle/>
           <a:p>
             <a:r>
-              <a:rPr lang="zh-TW" altLang="en-US" sz="6000" dirty="0" smtClean="0">
+              <a:rPr lang="zh-TW" altLang="en-US" sz="4800" dirty="0" smtClean="0">
                 <a:latin typeface="微軟正黑體" pitchFamily="34" charset="-120"/>
                 <a:ea typeface="微軟正黑體" pitchFamily="34" charset="-120"/>
               </a:rPr>
               <a:t>耶和華在高處大有能力，勝過諸水的響聲，洋海的大浪。</a:t>
             </a:r>
-            <a:endParaRPr lang="en-US" altLang="zh-TW" sz="6000" b="1" dirty="0" smtClean="0">
+            <a:endParaRPr lang="en-US" altLang="zh-TW" sz="4800" b="1" dirty="0" smtClean="0">
               <a:latin typeface="微軟正黑體" pitchFamily="34" charset="-120"/>
               <a:ea typeface="微軟正黑體" pitchFamily="34" charset="-120"/>
             </a:endParaRPr>
           </a:p>
           <a:p>
             <a:r>
-              <a:rPr lang="zh-TW" altLang="en-US" sz="6000" b="1" dirty="0" smtClean="0">
+              <a:rPr lang="zh-TW" altLang="en-US" sz="4800" b="1" dirty="0" smtClean="0">
                 <a:latin typeface="微軟正黑體" pitchFamily="34" charset="-120"/>
                 <a:ea typeface="微軟正黑體" pitchFamily="34" charset="-120"/>
               </a:rPr>
               <a:t>耶和華啊，你的法度最的確；你的殿永稱為聖，是合宜的。</a:t>
             </a:r>
-            <a:endParaRPr lang="en-US" altLang="zh-TW" sz="6000" b="1" dirty="0" smtClean="0">
+            <a:endParaRPr lang="en-US" altLang="zh-TW" sz="4800" b="1" dirty="0" smtClean="0">
               <a:latin typeface="微軟正黑體" pitchFamily="34" charset="-120"/>
               <a:ea typeface="微軟正黑體" pitchFamily="34" charset="-120"/>
             </a:endParaRPr>
@@ -5442,7 +5442,7 @@
         <p:spPr>
           <a:xfrm>
             <a:off x="0" y="0"/>
-            <a:ext cx="9144000" cy="7010400"/>
+            <a:ext cx="8748464" cy="5257800"/>
           </a:xfrm>
         </p:spPr>
         <p:txBody>
@@ -5452,14 +5452,14 @@
           <a:lstStyle/>
           <a:p>
             <a:r>
-              <a:rPr lang="zh-TW" altLang="en-US" sz="6000" dirty="0">
+              <a:rPr lang="zh-TW" altLang="en-US" sz="4800" dirty="0">
                 <a:latin typeface="微軟正黑體" pitchFamily="34" charset="-120"/>
                 <a:ea typeface="微軟正黑體" pitchFamily="34" charset="-120"/>
               </a:rPr>
               <a:t>地和其中所充滿的，世界和住在其間的，都屬耶和華。</a:t>
             </a:r>
             <a:r>
-              <a:rPr lang="en-US" altLang="zh-TW" sz="6000" dirty="0">
+              <a:rPr lang="en-US" altLang="zh-TW" sz="4800" dirty="0">
                 <a:latin typeface="微軟正黑體" pitchFamily="34" charset="-120"/>
                 <a:ea typeface="微軟正黑體" pitchFamily="34" charset="-120"/>
               </a:rPr>
@@ -5468,34 +5468,34 @@
           </a:p>
           <a:p>
             <a:r>
-              <a:rPr lang="zh-TW" altLang="en-US" sz="6000" b="1" dirty="0">
+              <a:rPr lang="zh-TW" altLang="en-US" sz="4800" b="1" dirty="0">
                 <a:latin typeface="微軟正黑體" pitchFamily="34" charset="-120"/>
                 <a:ea typeface="微軟正黑體" pitchFamily="34" charset="-120"/>
               </a:rPr>
               <a:t>他把地建立在海上，安定在大水之上</a:t>
             </a:r>
             <a:r>
-              <a:rPr lang="zh-TW" altLang="en-US" sz="6000" b="1" dirty="0" smtClean="0">
+              <a:rPr lang="zh-TW" altLang="en-US" sz="4800" b="1" dirty="0" smtClean="0">
                 <a:latin typeface="微軟正黑體" pitchFamily="34" charset="-120"/>
                 <a:ea typeface="微軟正黑體" pitchFamily="34" charset="-120"/>
               </a:rPr>
               <a:t>。</a:t>
             </a:r>
-            <a:endParaRPr lang="en-US" altLang="zh-TW" sz="6000" dirty="0" smtClean="0">
+            <a:endParaRPr lang="en-US" altLang="zh-TW" sz="4800" dirty="0" smtClean="0">
               <a:latin typeface="微軟正黑體" pitchFamily="34" charset="-120"/>
               <a:ea typeface="微軟正黑體" pitchFamily="34" charset="-120"/>
             </a:endParaRPr>
           </a:p>
           <a:p>
             <a:r>
-              <a:rPr lang="zh-TW" altLang="en-US" sz="6000" dirty="0" smtClean="0">
+              <a:rPr lang="zh-TW" altLang="en-US" sz="4800" dirty="0" smtClean="0">
                 <a:latin typeface="微軟正黑體" pitchFamily="34" charset="-120"/>
                 <a:ea typeface="微軟正黑體" pitchFamily="34" charset="-120"/>
               </a:rPr>
               <a:t>誰能登耶和華的山？誰能站在他的聖所？</a:t>
             </a:r>
             <a:r>
-              <a:rPr lang="en-US" altLang="zh-TW" sz="6000" dirty="0" smtClean="0">
+              <a:rPr lang="en-US" altLang="zh-TW" sz="4800" dirty="0" smtClean="0">
                 <a:latin typeface="微軟正黑體" pitchFamily="34" charset="-120"/>
                 <a:ea typeface="微軟正黑體" pitchFamily="34" charset="-120"/>
               </a:rPr>
@@ -5549,7 +5549,7 @@
         <p:spPr>
           <a:xfrm>
             <a:off x="0" y="0"/>
-            <a:ext cx="9144000" cy="7010400"/>
+            <a:ext cx="8748464" cy="5257800"/>
           </a:xfrm>
         </p:spPr>
         <p:txBody>
@@ -5559,27 +5559,27 @@
           <a:lstStyle/>
           <a:p>
             <a:r>
-              <a:rPr lang="zh-TW" altLang="en-US" sz="6000" b="1" dirty="0" smtClean="0">
+              <a:rPr lang="zh-TW" altLang="en-US" sz="4800" b="1" dirty="0" smtClean="0">
                 <a:latin typeface="微軟正黑體" pitchFamily="34" charset="-120"/>
                 <a:ea typeface="微軟正黑體" pitchFamily="34" charset="-120"/>
               </a:rPr>
               <a:t>就是手潔心清、不向虛妄、起誓不懷詭詐的人。</a:t>
             </a:r>
-            <a:endParaRPr lang="en-US" altLang="zh-TW" sz="6000" b="1" dirty="0" smtClean="0">
+            <a:endParaRPr lang="en-US" altLang="zh-TW" sz="4800" b="1" dirty="0" smtClean="0">
               <a:latin typeface="微軟正黑體" pitchFamily="34" charset="-120"/>
               <a:ea typeface="微軟正黑體" pitchFamily="34" charset="-120"/>
             </a:endParaRPr>
           </a:p>
           <a:p>
             <a:r>
-              <a:rPr lang="zh-TW" altLang="en-US" sz="6000" dirty="0" smtClean="0">
+              <a:rPr lang="zh-TW" altLang="en-US" sz="4800" dirty="0" smtClean="0">
                 <a:latin typeface="微軟正黑體" pitchFamily="34" charset="-120"/>
                 <a:ea typeface="微軟正黑體" pitchFamily="34" charset="-120"/>
               </a:rPr>
               <a:t>耶和華作王！願地快樂！願眾海島歡喜！</a:t>
             </a:r>
             <a:r>
-              <a:rPr lang="en-US" altLang="zh-TW" sz="6000" dirty="0" smtClean="0">
+              <a:rPr lang="en-US" altLang="zh-TW" sz="4800" dirty="0" smtClean="0">
                 <a:latin typeface="微軟正黑體" pitchFamily="34" charset="-120"/>
                 <a:ea typeface="微軟正黑體" pitchFamily="34" charset="-120"/>
               </a:rPr>
@@ -5588,13 +5588,13 @@
           </a:p>
           <a:p>
             <a:r>
-              <a:rPr lang="zh-TW" altLang="en-US" sz="6000" b="1" dirty="0" smtClean="0">
+              <a:rPr lang="zh-TW" altLang="en-US" sz="4800" b="1" dirty="0" smtClean="0">
                 <a:latin typeface="微軟正黑體" pitchFamily="34" charset="-120"/>
                 <a:ea typeface="微軟正黑體" pitchFamily="34" charset="-120"/>
               </a:rPr>
               <a:t>密雲和幽暗在他的四圍；公義和公平是他寶座的根基。</a:t>
             </a:r>
-            <a:endParaRPr lang="en-US" altLang="zh-TW" sz="6000" b="1" dirty="0" smtClean="0">
+            <a:endParaRPr lang="en-US" altLang="zh-TW" sz="4800" b="1" dirty="0" smtClean="0">
               <a:latin typeface="微軟正黑體" pitchFamily="34" charset="-120"/>
               <a:ea typeface="微軟正黑體" pitchFamily="34" charset="-120"/>
             </a:endParaRPr>
@@ -5604,7 +5604,7 @@
     </p:spTree>
     <p:extLst>
       <p:ext uri="{BB962C8B-B14F-4D97-AF65-F5344CB8AC3E}">
-        <p14:creationId xmlns:p14="http://schemas.microsoft.com/office/powerpoint/2010/main" xmlns="" val="1508702173"/>
+        <p14:creationId xmlns:p14="http://schemas.microsoft.com/office/powerpoint/2010/main" val="1508702173"/>
       </p:ext>
     </p:extLst>
   </p:cSld>
@@ -5651,7 +5651,7 @@
         <p:spPr>
           <a:xfrm>
             <a:off x="0" y="0"/>
-            <a:ext cx="9144000" cy="7010400"/>
+            <a:ext cx="8748464" cy="5257800"/>
           </a:xfrm>
         </p:spPr>
         <p:txBody>
@@ -5661,14 +5661,14 @@
           <a:lstStyle/>
           <a:p>
             <a:r>
-              <a:rPr lang="zh-TW" altLang="en-US" sz="6000" dirty="0" smtClean="0">
+              <a:rPr lang="zh-TW" altLang="en-US" sz="4800" dirty="0" smtClean="0">
                 <a:latin typeface="微軟正黑體" pitchFamily="34" charset="-120"/>
                 <a:ea typeface="微軟正黑體" pitchFamily="34" charset="-120"/>
               </a:rPr>
               <a:t>有烈火在他前頭行，燒滅他四圍的敵人。他的閃電光照世界，大地看見便震動。</a:t>
             </a:r>
             <a:r>
-              <a:rPr lang="en-US" altLang="zh-TW" sz="6000" dirty="0" smtClean="0">
+              <a:rPr lang="en-US" altLang="zh-TW" sz="4800" dirty="0" smtClean="0">
                 <a:latin typeface="微軟正黑體" pitchFamily="34" charset="-120"/>
                 <a:ea typeface="微軟正黑體" pitchFamily="34" charset="-120"/>
               </a:rPr>
@@ -5677,14 +5677,14 @@
           </a:p>
           <a:p>
             <a:r>
-              <a:rPr lang="zh-TW" altLang="en-US" sz="6000" b="1" dirty="0" smtClean="0">
+              <a:rPr lang="zh-TW" altLang="en-US" sz="4800" b="1" dirty="0" smtClean="0">
                 <a:latin typeface="微軟正黑體" pitchFamily="34" charset="-120"/>
                 <a:ea typeface="微軟正黑體" pitchFamily="34" charset="-120"/>
               </a:rPr>
               <a:t>諸山見耶和華的面，就是全地之主的面，便消化如蠟。</a:t>
             </a:r>
             <a:r>
-              <a:rPr lang="en-US" altLang="zh-TW" sz="6000" b="1" dirty="0" smtClean="0">
+              <a:rPr lang="en-US" altLang="zh-TW" sz="4800" b="1" dirty="0" smtClean="0">
                 <a:latin typeface="微軟正黑體" pitchFamily="34" charset="-120"/>
                 <a:ea typeface="微軟正黑體" pitchFamily="34" charset="-120"/>
               </a:rPr>
@@ -5738,7 +5738,7 @@
         <p:spPr>
           <a:xfrm>
             <a:off x="0" y="0"/>
-            <a:ext cx="9144000" cy="7010400"/>
+            <a:ext cx="8748464" cy="5257800"/>
           </a:xfrm>
         </p:spPr>
         <p:txBody>
@@ -5748,14 +5748,14 @@
           <a:lstStyle/>
           <a:p>
             <a:r>
-              <a:rPr lang="zh-TW" altLang="en-US" sz="6000" dirty="0" smtClean="0">
+              <a:rPr lang="zh-TW" altLang="en-US" sz="4800" dirty="0" smtClean="0">
                 <a:latin typeface="微軟正黑體" pitchFamily="34" charset="-120"/>
                 <a:ea typeface="微軟正黑體" pitchFamily="34" charset="-120"/>
               </a:rPr>
               <a:t>諸天表明他的公義；萬民看見他的榮耀。</a:t>
             </a:r>
             <a:r>
-              <a:rPr lang="en-US" altLang="zh-TW" sz="6000" dirty="0" smtClean="0">
+              <a:rPr lang="en-US" altLang="zh-TW" sz="4800" dirty="0" smtClean="0">
                 <a:latin typeface="微軟正黑體" pitchFamily="34" charset="-120"/>
                 <a:ea typeface="微軟正黑體" pitchFamily="34" charset="-120"/>
               </a:rPr>
@@ -5764,13 +5764,13 @@
           </a:p>
           <a:p>
             <a:r>
-              <a:rPr lang="zh-TW" altLang="en-US" sz="6000" b="1" dirty="0" smtClean="0">
+              <a:rPr lang="zh-TW" altLang="en-US" sz="4800" b="1" dirty="0" smtClean="0">
                 <a:latin typeface="微軟正黑體" pitchFamily="34" charset="-120"/>
                 <a:ea typeface="微軟正黑體" pitchFamily="34" charset="-120"/>
               </a:rPr>
               <a:t>耶和華是活神。願我的磐石被人稱頌；願救我的神被人尊崇。</a:t>
             </a:r>
-            <a:endParaRPr lang="en-US" altLang="zh-TW" sz="6000" b="1" dirty="0" smtClean="0">
+            <a:endParaRPr lang="en-US" altLang="zh-TW" sz="4800" b="1" dirty="0" smtClean="0">
               <a:latin typeface="微軟正黑體" pitchFamily="34" charset="-120"/>
               <a:ea typeface="微軟正黑體" pitchFamily="34" charset="-120"/>
             </a:endParaRPr>

--- a/3神的威權.pptx
+++ b/3神的威權.pptx
@@ -5,13 +5,13 @@
     <p:sldMasterId id="2147483672" r:id="rId1"/>
   </p:sldMasterIdLst>
   <p:sldIdLst>
-    <p:sldId id="256" r:id="rId2"/>
-    <p:sldId id="265" r:id="rId3"/>
-    <p:sldId id="266" r:id="rId4"/>
-    <p:sldId id="267" r:id="rId5"/>
-    <p:sldId id="268" r:id="rId6"/>
-    <p:sldId id="269" r:id="rId7"/>
-    <p:sldId id="270" r:id="rId8"/>
+    <p:sldId id="271" r:id="rId2"/>
+    <p:sldId id="272" r:id="rId3"/>
+    <p:sldId id="273" r:id="rId4"/>
+    <p:sldId id="274" r:id="rId5"/>
+    <p:sldId id="275" r:id="rId6"/>
+    <p:sldId id="276" r:id="rId7"/>
+    <p:sldId id="277" r:id="rId8"/>
   </p:sldIdLst>
   <p:sldSz cx="9144000" cy="5143500" type="screen16x9"/>
   <p:notesSz cx="6858000" cy="9144000"/>
@@ -316,7 +316,7 @@
             <a:fld id="{86B5546F-C09B-4E63-ABC5-F7C86A7E8D66}" type="datetimeFigureOut">
               <a:rPr lang="en-US" smtClean="0"/>
               <a:pPr/>
-              <a:t>10/17/2020</a:t>
+              <a:t>3/11/2023</a:t>
             </a:fld>
             <a:endParaRPr lang="en-US"/>
           </a:p>
@@ -488,7 +488,7 @@
             <a:fld id="{86B5546F-C09B-4E63-ABC5-F7C86A7E8D66}" type="datetimeFigureOut">
               <a:rPr lang="en-US" smtClean="0"/>
               <a:pPr/>
-              <a:t>10/17/2020</a:t>
+              <a:t>3/11/2023</a:t>
             </a:fld>
             <a:endParaRPr lang="en-US"/>
           </a:p>
@@ -670,7 +670,7 @@
             <a:fld id="{86B5546F-C09B-4E63-ABC5-F7C86A7E8D66}" type="datetimeFigureOut">
               <a:rPr lang="en-US" smtClean="0"/>
               <a:pPr/>
-              <a:t>10/17/2020</a:t>
+              <a:t>3/11/2023</a:t>
             </a:fld>
             <a:endParaRPr lang="en-US"/>
           </a:p>
@@ -842,7 +842,7 @@
             <a:fld id="{86B5546F-C09B-4E63-ABC5-F7C86A7E8D66}" type="datetimeFigureOut">
               <a:rPr lang="en-US" smtClean="0"/>
               <a:pPr/>
-              <a:t>10/17/2020</a:t>
+              <a:t>3/11/2023</a:t>
             </a:fld>
             <a:endParaRPr lang="en-US"/>
           </a:p>
@@ -1090,7 +1090,7 @@
             <a:fld id="{86B5546F-C09B-4E63-ABC5-F7C86A7E8D66}" type="datetimeFigureOut">
               <a:rPr lang="en-US" smtClean="0"/>
               <a:pPr/>
-              <a:t>10/17/2020</a:t>
+              <a:t>3/11/2023</a:t>
             </a:fld>
             <a:endParaRPr lang="en-US"/>
           </a:p>
@@ -1380,7 +1380,7 @@
             <a:fld id="{86B5546F-C09B-4E63-ABC5-F7C86A7E8D66}" type="datetimeFigureOut">
               <a:rPr lang="en-US" smtClean="0"/>
               <a:pPr/>
-              <a:t>10/17/2020</a:t>
+              <a:t>3/11/2023</a:t>
             </a:fld>
             <a:endParaRPr lang="en-US"/>
           </a:p>
@@ -1804,7 +1804,7 @@
             <a:fld id="{86B5546F-C09B-4E63-ABC5-F7C86A7E8D66}" type="datetimeFigureOut">
               <a:rPr lang="en-US" smtClean="0"/>
               <a:pPr/>
-              <a:t>10/17/2020</a:t>
+              <a:t>3/11/2023</a:t>
             </a:fld>
             <a:endParaRPr lang="en-US"/>
           </a:p>
@@ -1924,7 +1924,7 @@
             <a:fld id="{86B5546F-C09B-4E63-ABC5-F7C86A7E8D66}" type="datetimeFigureOut">
               <a:rPr lang="en-US" smtClean="0"/>
               <a:pPr/>
-              <a:t>10/17/2020</a:t>
+              <a:t>3/11/2023</a:t>
             </a:fld>
             <a:endParaRPr lang="en-US"/>
           </a:p>
@@ -2021,7 +2021,7 @@
             <a:fld id="{86B5546F-C09B-4E63-ABC5-F7C86A7E8D66}" type="datetimeFigureOut">
               <a:rPr lang="en-US" smtClean="0"/>
               <a:pPr/>
-              <a:t>10/17/2020</a:t>
+              <a:t>3/11/2023</a:t>
             </a:fld>
             <a:endParaRPr lang="en-US"/>
           </a:p>
@@ -2300,7 +2300,7 @@
             <a:fld id="{86B5546F-C09B-4E63-ABC5-F7C86A7E8D66}" type="datetimeFigureOut">
               <a:rPr lang="en-US" smtClean="0"/>
               <a:pPr/>
-              <a:t>10/17/2020</a:t>
+              <a:t>3/11/2023</a:t>
             </a:fld>
             <a:endParaRPr lang="en-US"/>
           </a:p>
@@ -2559,7 +2559,7 @@
             <a:fld id="{86B5546F-C09B-4E63-ABC5-F7C86A7E8D66}" type="datetimeFigureOut">
               <a:rPr lang="en-US" smtClean="0"/>
               <a:pPr/>
-              <a:t>10/17/2020</a:t>
+              <a:t>3/11/2023</a:t>
             </a:fld>
             <a:endParaRPr lang="en-US"/>
           </a:p>
@@ -2779,7 +2779,7 @@
             <a:fld id="{86B5546F-C09B-4E63-ABC5-F7C86A7E8D66}" type="datetimeFigureOut">
               <a:rPr lang="en-US" smtClean="0"/>
               <a:pPr/>
-              <a:t>10/17/2020</a:t>
+              <a:t>3/11/2023</a:t>
             </a:fld>
             <a:endParaRPr lang="en-US"/>
           </a:p>
@@ -3416,6 +3416,11 @@
         </p:txBody>
       </p:sp>
     </p:spTree>
+    <p:extLst>
+      <p:ext uri="{BB962C8B-B14F-4D97-AF65-F5344CB8AC3E}">
+        <p14:creationId xmlns:p14="http://schemas.microsoft.com/office/powerpoint/2010/main" val="3482828749"/>
+      </p:ext>
+    </p:extLst>
   </p:cSld>
   <p:clrMapOvr>
     <a:masterClrMapping/>
@@ -3477,7 +3482,47 @@
                 <a:latin typeface="微軟正黑體" pitchFamily="34" charset="-120"/>
                 <a:ea typeface="微軟正黑體" pitchFamily="34" charset="-120"/>
               </a:rPr>
-              <a:t>耶和華作王！他以威嚴為衣穿上；耶和華以能力為衣，以能力束腰，世界就堅定，不得動搖。</a:t>
+              <a:t>耶和華作王</a:t>
+            </a:r>
+            <a:r>
+              <a:rPr lang="zh-TW" altLang="en-US" sz="4800" dirty="0" smtClean="0">
+                <a:solidFill>
+                  <a:srgbClr val="660033"/>
+                </a:solidFill>
+                <a:latin typeface="微軟正黑體" pitchFamily="34" charset="-120"/>
+                <a:ea typeface="微軟正黑體" pitchFamily="34" charset="-120"/>
+              </a:rPr>
+              <a:t>！</a:t>
+            </a:r>
+            <a:r>
+              <a:rPr lang="zh-CN" altLang="en-US" sz="4800" dirty="0" smtClean="0">
+                <a:solidFill>
+                  <a:srgbClr val="660033"/>
+                </a:solidFill>
+                <a:latin typeface="微軟正黑體" pitchFamily="34" charset="-120"/>
+                <a:ea typeface="微軟正黑體" pitchFamily="34" charset="-120"/>
+              </a:rPr>
+              <a:t>祂</a:t>
+            </a:r>
+            <a:r>
+              <a:rPr lang="zh-TW" altLang="en-US" sz="4800" dirty="0" smtClean="0">
+                <a:solidFill>
+                  <a:srgbClr val="660033"/>
+                </a:solidFill>
+                <a:latin typeface="微軟正黑體" pitchFamily="34" charset="-120"/>
+                <a:ea typeface="微軟正黑體" pitchFamily="34" charset="-120"/>
+              </a:rPr>
+              <a:t>以</a:t>
+            </a:r>
+            <a:r>
+              <a:rPr lang="zh-TW" altLang="en-US" sz="4800" dirty="0">
+                <a:solidFill>
+                  <a:srgbClr val="660033"/>
+                </a:solidFill>
+                <a:latin typeface="微軟正黑體" pitchFamily="34" charset="-120"/>
+                <a:ea typeface="微軟正黑體" pitchFamily="34" charset="-120"/>
+              </a:rPr>
+              <a:t>威嚴為衣穿上；耶和華以能力為衣，以能力束腰，世界就堅定，不得動搖。</a:t>
             </a:r>
             <a:r>
               <a:rPr lang="en-US" altLang="zh-TW" sz="4800" dirty="0">
@@ -3492,6 +3537,26 @@
           </a:p>
           <a:p>
             <a:r>
+              <a:rPr lang="zh-CN" altLang="en-US" sz="4800" b="1" dirty="0" smtClean="0">
+                <a:solidFill>
+                  <a:srgbClr val="660033"/>
+                </a:solidFill>
+                <a:latin typeface="微軟正黑體" pitchFamily="34" charset="-120"/>
+                <a:ea typeface="微軟正黑體" pitchFamily="34" charset="-120"/>
+              </a:rPr>
+              <a:t>袮</a:t>
+            </a:r>
+            <a:r>
+              <a:rPr lang="zh-TW" altLang="en-US" sz="4800" b="1" dirty="0" smtClean="0">
+                <a:solidFill>
+                  <a:srgbClr val="660033"/>
+                </a:solidFill>
+                <a:latin typeface="微軟正黑體" pitchFamily="34" charset="-120"/>
+                <a:ea typeface="微軟正黑體" pitchFamily="34" charset="-120"/>
+              </a:rPr>
+              <a:t>的</a:t>
+            </a:r>
+            <a:r>
               <a:rPr lang="zh-TW" altLang="en-US" sz="4800" b="1" dirty="0">
                 <a:solidFill>
                   <a:srgbClr val="660033"/>
@@ -3499,7 +3564,47 @@
                 <a:latin typeface="微軟正黑體" pitchFamily="34" charset="-120"/>
                 <a:ea typeface="微軟正黑體" pitchFamily="34" charset="-120"/>
               </a:rPr>
-              <a:t>你的寶座從太初立定；你從亙古就有。</a:t>
+              <a:t>寶座從太初立定</a:t>
+            </a:r>
+            <a:r>
+              <a:rPr lang="zh-TW" altLang="en-US" sz="4800" b="1" dirty="0" smtClean="0">
+                <a:solidFill>
+                  <a:srgbClr val="660033"/>
+                </a:solidFill>
+                <a:latin typeface="微軟正黑體" pitchFamily="34" charset="-120"/>
+                <a:ea typeface="微軟正黑體" pitchFamily="34" charset="-120"/>
+              </a:rPr>
+              <a:t>；</a:t>
+            </a:r>
+            <a:r>
+              <a:rPr lang="zh-CN" altLang="en-US" sz="4800" b="1" dirty="0">
+                <a:solidFill>
+                  <a:srgbClr val="660033"/>
+                </a:solidFill>
+                <a:latin typeface="微軟正黑體" pitchFamily="34" charset="-120"/>
+                <a:ea typeface="微軟正黑體" pitchFamily="34" charset="-120"/>
+              </a:rPr>
+              <a:t>袮</a:t>
+            </a:r>
+            <a:r>
+              <a:rPr lang="zh-TW" altLang="en-US" sz="4800" b="1" dirty="0" smtClean="0">
+                <a:solidFill>
+                  <a:srgbClr val="660033"/>
+                </a:solidFill>
+                <a:latin typeface="微軟正黑體" pitchFamily="34" charset="-120"/>
+                <a:ea typeface="微軟正黑體" pitchFamily="34" charset="-120"/>
+              </a:rPr>
+              <a:t>從</a:t>
+            </a:r>
+            <a:r>
+              <a:rPr lang="zh-TW" altLang="en-US" sz="4800" b="1" dirty="0">
+                <a:solidFill>
+                  <a:srgbClr val="660033"/>
+                </a:solidFill>
+                <a:latin typeface="微軟正黑體" pitchFamily="34" charset="-120"/>
+                <a:ea typeface="微軟正黑體" pitchFamily="34" charset="-120"/>
+              </a:rPr>
+              <a:t>亙古就有。</a:t>
             </a:r>
           </a:p>
         </p:txBody>
@@ -3507,7 +3612,7 @@
     </p:spTree>
     <p:extLst>
       <p:ext uri="{BB962C8B-B14F-4D97-AF65-F5344CB8AC3E}">
-        <p14:creationId xmlns:p14="http://schemas.microsoft.com/office/powerpoint/2010/main" val="1360793237"/>
+        <p14:creationId xmlns:p14="http://schemas.microsoft.com/office/powerpoint/2010/main" val="3232284017"/>
       </p:ext>
     </p:extLst>
   </p:cSld>
@@ -3583,7 +3688,87 @@
                 <a:latin typeface="微軟正黑體" pitchFamily="34" charset="-120"/>
                 <a:ea typeface="微軟正黑體" pitchFamily="34" charset="-120"/>
               </a:rPr>
-              <a:t>耶和華啊，你的法度最的確；你的殿永稱為聖，是合宜的。</a:t>
+              <a:t>耶和華啊</a:t>
+            </a:r>
+            <a:r>
+              <a:rPr lang="zh-TW" altLang="en-US" sz="4800" b="1" dirty="0" smtClean="0">
+                <a:solidFill>
+                  <a:srgbClr val="660033"/>
+                </a:solidFill>
+                <a:latin typeface="微軟正黑體" pitchFamily="34" charset="-120"/>
+                <a:ea typeface="微軟正黑體" pitchFamily="34" charset="-120"/>
+              </a:rPr>
+              <a:t>，</a:t>
+            </a:r>
+            <a:r>
+              <a:rPr lang="zh-CN" altLang="en-US" sz="4800" b="1" dirty="0">
+                <a:solidFill>
+                  <a:srgbClr val="660033"/>
+                </a:solidFill>
+                <a:latin typeface="微軟正黑體" pitchFamily="34" charset="-120"/>
+                <a:ea typeface="微軟正黑體" pitchFamily="34" charset="-120"/>
+              </a:rPr>
+              <a:t>袮</a:t>
+            </a:r>
+            <a:r>
+              <a:rPr lang="zh-TW" altLang="en-US" sz="4800" b="1" dirty="0" smtClean="0">
+                <a:solidFill>
+                  <a:srgbClr val="660033"/>
+                </a:solidFill>
+                <a:latin typeface="微軟正黑體" pitchFamily="34" charset="-120"/>
+                <a:ea typeface="微軟正黑體" pitchFamily="34" charset="-120"/>
+              </a:rPr>
+              <a:t>的</a:t>
+            </a:r>
+            <a:r>
+              <a:rPr lang="zh-TW" altLang="en-US" sz="4800" b="1" dirty="0">
+                <a:solidFill>
+                  <a:srgbClr val="660033"/>
+                </a:solidFill>
+                <a:latin typeface="微軟正黑體" pitchFamily="34" charset="-120"/>
+                <a:ea typeface="微軟正黑體" pitchFamily="34" charset="-120"/>
+              </a:rPr>
+              <a:t>法度最的確</a:t>
+            </a:r>
+            <a:r>
+              <a:rPr lang="zh-TW" altLang="en-US" sz="4800" b="1" dirty="0" smtClean="0">
+                <a:solidFill>
+                  <a:srgbClr val="660033"/>
+                </a:solidFill>
+                <a:latin typeface="微軟正黑體" pitchFamily="34" charset="-120"/>
+                <a:ea typeface="微軟正黑體" pitchFamily="34" charset="-120"/>
+              </a:rPr>
+              <a:t>；</a:t>
+            </a:r>
+            <a:r>
+              <a:rPr lang="zh-CN" altLang="en-US" sz="4800" b="1" dirty="0">
+                <a:solidFill>
+                  <a:srgbClr val="660033"/>
+                </a:solidFill>
+                <a:latin typeface="微軟正黑體" pitchFamily="34" charset="-120"/>
+                <a:ea typeface="微軟正黑體" pitchFamily="34" charset="-120"/>
+              </a:rPr>
+              <a:t>袮</a:t>
+            </a:r>
+            <a:r>
+              <a:rPr lang="zh-TW" altLang="en-US" sz="4800" b="1" dirty="0" smtClean="0">
+                <a:solidFill>
+                  <a:srgbClr val="660033"/>
+                </a:solidFill>
+                <a:latin typeface="微軟正黑體" pitchFamily="34" charset="-120"/>
+                <a:ea typeface="微軟正黑體" pitchFamily="34" charset="-120"/>
+              </a:rPr>
+              <a:t>的</a:t>
+            </a:r>
+            <a:r>
+              <a:rPr lang="zh-TW" altLang="en-US" sz="4800" b="1" dirty="0">
+                <a:solidFill>
+                  <a:srgbClr val="660033"/>
+                </a:solidFill>
+                <a:latin typeface="微軟正黑體" pitchFamily="34" charset="-120"/>
+                <a:ea typeface="微軟正黑體" pitchFamily="34" charset="-120"/>
+              </a:rPr>
+              <a:t>殿永稱為聖，是合宜的。</a:t>
             </a:r>
             <a:endParaRPr lang="en-US" altLang="zh-TW" sz="4800" b="1" dirty="0">
               <a:solidFill>
@@ -3598,7 +3783,7 @@
     </p:spTree>
     <p:extLst>
       <p:ext uri="{BB962C8B-B14F-4D97-AF65-F5344CB8AC3E}">
-        <p14:creationId xmlns:p14="http://schemas.microsoft.com/office/powerpoint/2010/main" val="2805643736"/>
+        <p14:creationId xmlns:p14="http://schemas.microsoft.com/office/powerpoint/2010/main" val="3169172018"/>
       </p:ext>
     </p:extLst>
   </p:cSld>
@@ -3670,6 +3855,26 @@
           </a:p>
           <a:p>
             <a:r>
+              <a:rPr lang="zh-CN" altLang="en-US" sz="4800" b="1" dirty="0" smtClean="0">
+                <a:solidFill>
+                  <a:srgbClr val="660033"/>
+                </a:solidFill>
+                <a:latin typeface="微軟正黑體" pitchFamily="34" charset="-120"/>
+                <a:ea typeface="微軟正黑體" pitchFamily="34" charset="-120"/>
+              </a:rPr>
+              <a:t>祂</a:t>
+            </a:r>
+            <a:r>
+              <a:rPr lang="zh-TW" altLang="en-US" sz="4800" b="1" dirty="0" smtClean="0">
+                <a:solidFill>
+                  <a:srgbClr val="660033"/>
+                </a:solidFill>
+                <a:latin typeface="微軟正黑體" pitchFamily="34" charset="-120"/>
+                <a:ea typeface="微軟正黑體" pitchFamily="34" charset="-120"/>
+              </a:rPr>
+              <a:t>把</a:t>
+            </a:r>
+            <a:r>
               <a:rPr lang="zh-TW" altLang="en-US" sz="4800" b="1" dirty="0">
                 <a:solidFill>
                   <a:srgbClr val="660033"/>
@@ -3677,7 +3882,7 @@
                 <a:latin typeface="微軟正黑體" pitchFamily="34" charset="-120"/>
                 <a:ea typeface="微軟正黑體" pitchFamily="34" charset="-120"/>
               </a:rPr>
-              <a:t>他把地建立在海上，安定在大水之上。</a:t>
+              <a:t>地建立在海上，安定在大水之上。</a:t>
             </a:r>
             <a:endParaRPr lang="en-US" altLang="zh-TW" sz="4800" b="1" dirty="0">
               <a:solidFill>
@@ -3696,7 +3901,47 @@
                 <a:latin typeface="微軟正黑體" pitchFamily="34" charset="-120"/>
                 <a:ea typeface="微軟正黑體" pitchFamily="34" charset="-120"/>
               </a:rPr>
-              <a:t>誰能登耶和華的山？誰能站在他的聖所？</a:t>
+              <a:t>誰能登耶和華的山？誰能站</a:t>
+            </a:r>
+            <a:r>
+              <a:rPr lang="zh-TW" altLang="en-US" sz="4800" dirty="0" smtClean="0">
+                <a:solidFill>
+                  <a:srgbClr val="660033"/>
+                </a:solidFill>
+                <a:latin typeface="微軟正黑體" pitchFamily="34" charset="-120"/>
+                <a:ea typeface="微軟正黑體" pitchFamily="34" charset="-120"/>
+              </a:rPr>
+              <a:t>在</a:t>
+            </a:r>
+            <a:r>
+              <a:rPr lang="zh-CN" altLang="en-US" sz="4800" dirty="0" smtClean="0">
+                <a:solidFill>
+                  <a:srgbClr val="660033"/>
+                </a:solidFill>
+                <a:latin typeface="微軟正黑體" pitchFamily="34" charset="-120"/>
+                <a:ea typeface="微軟正黑體" pitchFamily="34" charset="-120"/>
+              </a:rPr>
+              <a:t>祂</a:t>
+            </a:r>
+            <a:r>
+              <a:rPr lang="zh-TW" altLang="en-US" sz="4800" dirty="0" smtClean="0">
+                <a:solidFill>
+                  <a:srgbClr val="660033"/>
+                </a:solidFill>
+                <a:latin typeface="微軟正黑體" pitchFamily="34" charset="-120"/>
+                <a:ea typeface="微軟正黑體" pitchFamily="34" charset="-120"/>
+              </a:rPr>
+              <a:t>的</a:t>
+            </a:r>
+            <a:r>
+              <a:rPr lang="zh-TW" altLang="en-US" sz="4800" dirty="0">
+                <a:solidFill>
+                  <a:srgbClr val="660033"/>
+                </a:solidFill>
+                <a:latin typeface="微軟正黑體" pitchFamily="34" charset="-120"/>
+                <a:ea typeface="微軟正黑體" pitchFamily="34" charset="-120"/>
+              </a:rPr>
+              <a:t>聖所？</a:t>
             </a:r>
             <a:r>
               <a:rPr lang="en-US" altLang="zh-TW" sz="4800" dirty="0">
@@ -3714,7 +3959,7 @@
     </p:spTree>
     <p:extLst>
       <p:ext uri="{BB962C8B-B14F-4D97-AF65-F5344CB8AC3E}">
-        <p14:creationId xmlns:p14="http://schemas.microsoft.com/office/powerpoint/2010/main" val="1356186902"/>
+        <p14:creationId xmlns:p14="http://schemas.microsoft.com/office/powerpoint/2010/main" val="1544974927"/>
       </p:ext>
     </p:extLst>
   </p:cSld>
@@ -3812,7 +4057,87 @@
                 <a:latin typeface="微軟正黑體" pitchFamily="34" charset="-120"/>
                 <a:ea typeface="微軟正黑體" pitchFamily="34" charset="-120"/>
               </a:rPr>
-              <a:t>密雲和幽暗在他的四圍；公義和公平是他寶座的根基。</a:t>
+              <a:t>密雲和幽暗</a:t>
+            </a:r>
+            <a:r>
+              <a:rPr lang="zh-TW" altLang="en-US" sz="4800" b="1" dirty="0" smtClean="0">
+                <a:solidFill>
+                  <a:srgbClr val="660033"/>
+                </a:solidFill>
+                <a:latin typeface="微軟正黑體" pitchFamily="34" charset="-120"/>
+                <a:ea typeface="微軟正黑體" pitchFamily="34" charset="-120"/>
+              </a:rPr>
+              <a:t>在</a:t>
+            </a:r>
+            <a:r>
+              <a:rPr lang="zh-CN" altLang="en-US" sz="4800" b="1" dirty="0" smtClean="0">
+                <a:solidFill>
+                  <a:srgbClr val="660033"/>
+                </a:solidFill>
+                <a:latin typeface="微軟正黑體" pitchFamily="34" charset="-120"/>
+                <a:ea typeface="微軟正黑體" pitchFamily="34" charset="-120"/>
+              </a:rPr>
+              <a:t>祂</a:t>
+            </a:r>
+            <a:r>
+              <a:rPr lang="zh-TW" altLang="en-US" sz="4800" b="1" dirty="0" smtClean="0">
+                <a:solidFill>
+                  <a:srgbClr val="660033"/>
+                </a:solidFill>
+                <a:latin typeface="微軟正黑體" pitchFamily="34" charset="-120"/>
+                <a:ea typeface="微軟正黑體" pitchFamily="34" charset="-120"/>
+              </a:rPr>
+              <a:t>的</a:t>
+            </a:r>
+            <a:r>
+              <a:rPr lang="zh-TW" altLang="en-US" sz="4800" b="1" dirty="0">
+                <a:solidFill>
+                  <a:srgbClr val="660033"/>
+                </a:solidFill>
+                <a:latin typeface="微軟正黑體" pitchFamily="34" charset="-120"/>
+                <a:ea typeface="微軟正黑體" pitchFamily="34" charset="-120"/>
+              </a:rPr>
+              <a:t>四圍；公義和公平</a:t>
+            </a:r>
+            <a:r>
+              <a:rPr lang="zh-TW" altLang="en-US" sz="4800" b="1" dirty="0" smtClean="0">
+                <a:solidFill>
+                  <a:srgbClr val="660033"/>
+                </a:solidFill>
+                <a:latin typeface="微軟正黑體" pitchFamily="34" charset="-120"/>
+                <a:ea typeface="微軟正黑體" pitchFamily="34" charset="-120"/>
+              </a:rPr>
+              <a:t>是</a:t>
+            </a:r>
+            <a:r>
+              <a:rPr lang="zh-CN" altLang="en-US" sz="4800" b="1" dirty="0" smtClean="0">
+                <a:solidFill>
+                  <a:srgbClr val="660033"/>
+                </a:solidFill>
+                <a:latin typeface="微軟正黑體" pitchFamily="34" charset="-120"/>
+                <a:ea typeface="微軟正黑體" pitchFamily="34" charset="-120"/>
+              </a:rPr>
+              <a:t>祂</a:t>
+            </a:r>
+            <a:r>
+              <a:rPr lang="zh-TW" altLang="en-US" sz="4800" b="1" dirty="0" smtClean="0">
+                <a:solidFill>
+                  <a:srgbClr val="660033"/>
+                </a:solidFill>
+                <a:latin typeface="微軟正黑體" pitchFamily="34" charset="-120"/>
+                <a:ea typeface="微軟正黑體" pitchFamily="34" charset="-120"/>
+              </a:rPr>
+              <a:t>寶</a:t>
+            </a:r>
+            <a:r>
+              <a:rPr lang="zh-TW" altLang="en-US" sz="4800" b="1" dirty="0">
+                <a:solidFill>
+                  <a:srgbClr val="660033"/>
+                </a:solidFill>
+                <a:latin typeface="微軟正黑體" pitchFamily="34" charset="-120"/>
+                <a:ea typeface="微軟正黑體" pitchFamily="34" charset="-120"/>
+              </a:rPr>
+              <a:t>座的根基。</a:t>
             </a:r>
             <a:endParaRPr lang="en-US" altLang="zh-TW" sz="4800" b="1" dirty="0">
               <a:solidFill>
@@ -3827,7 +4152,7 @@
     </p:spTree>
     <p:extLst>
       <p:ext uri="{BB962C8B-B14F-4D97-AF65-F5344CB8AC3E}">
-        <p14:creationId xmlns:p14="http://schemas.microsoft.com/office/powerpoint/2010/main" val="2034421556"/>
+        <p14:creationId xmlns:p14="http://schemas.microsoft.com/office/powerpoint/2010/main" val="1687811909"/>
       </p:ext>
     </p:extLst>
   </p:cSld>
@@ -3884,7 +4209,127 @@
                 <a:latin typeface="微軟正黑體" pitchFamily="34" charset="-120"/>
                 <a:ea typeface="微軟正黑體" pitchFamily="34" charset="-120"/>
               </a:rPr>
-              <a:t>有烈火在他前頭行，燒滅他四圍的敵人。他的閃電光照世界，大地看見便震動。</a:t>
+              <a:t>有烈火</a:t>
+            </a:r>
+            <a:r>
+              <a:rPr lang="zh-TW" altLang="en-US" sz="4800" dirty="0" smtClean="0">
+                <a:solidFill>
+                  <a:srgbClr val="660033"/>
+                </a:solidFill>
+                <a:latin typeface="微軟正黑體" pitchFamily="34" charset="-120"/>
+                <a:ea typeface="微軟正黑體" pitchFamily="34" charset="-120"/>
+              </a:rPr>
+              <a:t>在</a:t>
+            </a:r>
+            <a:r>
+              <a:rPr lang="zh-CN" altLang="en-US" sz="4800" dirty="0" smtClean="0">
+                <a:solidFill>
+                  <a:srgbClr val="660033"/>
+                </a:solidFill>
+                <a:latin typeface="微軟正黑體" pitchFamily="34" charset="-120"/>
+                <a:ea typeface="微軟正黑體" pitchFamily="34" charset="-120"/>
+              </a:rPr>
+              <a:t>祂</a:t>
+            </a:r>
+            <a:r>
+              <a:rPr lang="zh-TW" altLang="en-US" sz="4800" dirty="0" smtClean="0">
+                <a:solidFill>
+                  <a:srgbClr val="660033"/>
+                </a:solidFill>
+                <a:latin typeface="微軟正黑體" pitchFamily="34" charset="-120"/>
+                <a:ea typeface="微軟正黑體" pitchFamily="34" charset="-120"/>
+              </a:rPr>
+              <a:t>前</a:t>
+            </a:r>
+            <a:r>
+              <a:rPr lang="zh-TW" altLang="en-US" sz="4800" dirty="0">
+                <a:solidFill>
+                  <a:srgbClr val="660033"/>
+                </a:solidFill>
+                <a:latin typeface="微軟正黑體" pitchFamily="34" charset="-120"/>
+                <a:ea typeface="微軟正黑體" pitchFamily="34" charset="-120"/>
+              </a:rPr>
+              <a:t>頭行，燒</a:t>
+            </a:r>
+            <a:r>
+              <a:rPr lang="zh-TW" altLang="en-US" sz="4800" dirty="0" smtClean="0">
+                <a:solidFill>
+                  <a:srgbClr val="660033"/>
+                </a:solidFill>
+                <a:latin typeface="微軟正黑體" pitchFamily="34" charset="-120"/>
+                <a:ea typeface="微軟正黑體" pitchFamily="34" charset="-120"/>
+              </a:rPr>
+              <a:t>滅</a:t>
+            </a:r>
+            <a:r>
+              <a:rPr lang="zh-CN" altLang="en-US" sz="4800" dirty="0">
+                <a:solidFill>
+                  <a:srgbClr val="660033"/>
+                </a:solidFill>
+                <a:latin typeface="微軟正黑體" pitchFamily="34" charset="-120"/>
+                <a:ea typeface="微軟正黑體" pitchFamily="34" charset="-120"/>
+              </a:rPr>
+              <a:t>祂</a:t>
+            </a:r>
+            <a:r>
+              <a:rPr lang="zh-TW" altLang="en-US" sz="4800" dirty="0" smtClean="0">
+                <a:solidFill>
+                  <a:srgbClr val="660033"/>
+                </a:solidFill>
+                <a:latin typeface="微軟正黑體" pitchFamily="34" charset="-120"/>
+                <a:ea typeface="微軟正黑體" pitchFamily="34" charset="-120"/>
+              </a:rPr>
+              <a:t>四</a:t>
+            </a:r>
+            <a:r>
+              <a:rPr lang="zh-TW" altLang="en-US" sz="4800" dirty="0">
+                <a:solidFill>
+                  <a:srgbClr val="660033"/>
+                </a:solidFill>
+                <a:latin typeface="微軟正黑體" pitchFamily="34" charset="-120"/>
+                <a:ea typeface="微軟正黑體" pitchFamily="34" charset="-120"/>
+              </a:rPr>
+              <a:t>圍的敵人</a:t>
+            </a:r>
+            <a:r>
+              <a:rPr lang="zh-TW" altLang="en-US" sz="4800" dirty="0" smtClean="0">
+                <a:solidFill>
+                  <a:srgbClr val="660033"/>
+                </a:solidFill>
+                <a:latin typeface="微軟正黑體" pitchFamily="34" charset="-120"/>
+                <a:ea typeface="微軟正黑體" pitchFamily="34" charset="-120"/>
+              </a:rPr>
+              <a:t>。</a:t>
+            </a:r>
+            <a:r>
+              <a:rPr lang="zh-CN" altLang="en-US" sz="4800" dirty="0">
+                <a:solidFill>
+                  <a:srgbClr val="660033"/>
+                </a:solidFill>
+                <a:latin typeface="微軟正黑體" pitchFamily="34" charset="-120"/>
+                <a:ea typeface="微軟正黑體" pitchFamily="34" charset="-120"/>
+              </a:rPr>
+              <a:t>祂</a:t>
+            </a:r>
+            <a:r>
+              <a:rPr lang="zh-TW" altLang="en-US" sz="4800" dirty="0" smtClean="0">
+                <a:solidFill>
+                  <a:srgbClr val="660033"/>
+                </a:solidFill>
+                <a:latin typeface="微軟正黑體" pitchFamily="34" charset="-120"/>
+                <a:ea typeface="微軟正黑體" pitchFamily="34" charset="-120"/>
+              </a:rPr>
+              <a:t>的</a:t>
+            </a:r>
+            <a:r>
+              <a:rPr lang="zh-TW" altLang="en-US" sz="4800" dirty="0">
+                <a:solidFill>
+                  <a:srgbClr val="660033"/>
+                </a:solidFill>
+                <a:latin typeface="微軟正黑體" pitchFamily="34" charset="-120"/>
+                <a:ea typeface="微軟正黑體" pitchFamily="34" charset="-120"/>
+              </a:rPr>
+              <a:t>閃電光照世界，大地看見便震動。</a:t>
             </a:r>
             <a:r>
               <a:rPr lang="en-US" altLang="zh-TW" sz="4800" dirty="0">
@@ -3924,7 +4369,7 @@
     </p:spTree>
     <p:extLst>
       <p:ext uri="{BB962C8B-B14F-4D97-AF65-F5344CB8AC3E}">
-        <p14:creationId xmlns:p14="http://schemas.microsoft.com/office/powerpoint/2010/main" val="780261221"/>
+        <p14:creationId xmlns:p14="http://schemas.microsoft.com/office/powerpoint/2010/main" val="160484299"/>
       </p:ext>
     </p:extLst>
   </p:cSld>
@@ -3981,7 +4426,87 @@
                 <a:latin typeface="微軟正黑體" pitchFamily="34" charset="-120"/>
                 <a:ea typeface="微軟正黑體" pitchFamily="34" charset="-120"/>
               </a:rPr>
-              <a:t>諸天表明他的公義；萬民看見他的榮耀。</a:t>
+              <a:t>諸天表</a:t>
+            </a:r>
+            <a:r>
+              <a:rPr lang="zh-TW" altLang="en-US" sz="4800" dirty="0" smtClean="0">
+                <a:solidFill>
+                  <a:srgbClr val="660033"/>
+                </a:solidFill>
+                <a:latin typeface="微軟正黑體" pitchFamily="34" charset="-120"/>
+                <a:ea typeface="微軟正黑體" pitchFamily="34" charset="-120"/>
+              </a:rPr>
+              <a:t>明</a:t>
+            </a:r>
+            <a:r>
+              <a:rPr lang="zh-CN" altLang="en-US" sz="4800" dirty="0">
+                <a:solidFill>
+                  <a:srgbClr val="660033"/>
+                </a:solidFill>
+                <a:latin typeface="微軟正黑體" pitchFamily="34" charset="-120"/>
+                <a:ea typeface="微軟正黑體" pitchFamily="34" charset="-120"/>
+              </a:rPr>
+              <a:t>祂</a:t>
+            </a:r>
+            <a:r>
+              <a:rPr lang="zh-TW" altLang="en-US" sz="4800" dirty="0" smtClean="0">
+                <a:solidFill>
+                  <a:srgbClr val="660033"/>
+                </a:solidFill>
+                <a:latin typeface="微軟正黑體" pitchFamily="34" charset="-120"/>
+                <a:ea typeface="微軟正黑體" pitchFamily="34" charset="-120"/>
+              </a:rPr>
+              <a:t>的</a:t>
+            </a:r>
+            <a:r>
+              <a:rPr lang="zh-TW" altLang="en-US" sz="4800" dirty="0">
+                <a:solidFill>
+                  <a:srgbClr val="660033"/>
+                </a:solidFill>
+                <a:latin typeface="微軟正黑體" pitchFamily="34" charset="-120"/>
+                <a:ea typeface="微軟正黑體" pitchFamily="34" charset="-120"/>
+              </a:rPr>
+              <a:t>公義；萬民看</a:t>
+            </a:r>
+            <a:r>
+              <a:rPr lang="zh-TW" altLang="en-US" sz="4800" dirty="0" smtClean="0">
+                <a:solidFill>
+                  <a:srgbClr val="660033"/>
+                </a:solidFill>
+                <a:latin typeface="微軟正黑體" pitchFamily="34" charset="-120"/>
+                <a:ea typeface="微軟正黑體" pitchFamily="34" charset="-120"/>
+              </a:rPr>
+              <a:t>見</a:t>
+            </a:r>
+            <a:r>
+              <a:rPr lang="zh-CN" altLang="en-US" sz="4800" dirty="0">
+                <a:solidFill>
+                  <a:srgbClr val="660033"/>
+                </a:solidFill>
+                <a:latin typeface="微軟正黑體" pitchFamily="34" charset="-120"/>
+                <a:ea typeface="微軟正黑體" pitchFamily="34" charset="-120"/>
+              </a:rPr>
+              <a:t>祂</a:t>
+            </a:r>
+            <a:r>
+              <a:rPr lang="zh-TW" altLang="en-US" sz="4800" dirty="0" smtClean="0">
+                <a:solidFill>
+                  <a:srgbClr val="660033"/>
+                </a:solidFill>
+                <a:latin typeface="微軟正黑體" pitchFamily="34" charset="-120"/>
+                <a:ea typeface="微軟正黑體" pitchFamily="34" charset="-120"/>
+              </a:rPr>
+              <a:t>的</a:t>
+            </a:r>
+            <a:r>
+              <a:rPr lang="zh-TW" altLang="en-US" sz="4800" dirty="0">
+                <a:solidFill>
+                  <a:srgbClr val="660033"/>
+                </a:solidFill>
+                <a:latin typeface="微軟正黑體" pitchFamily="34" charset="-120"/>
+                <a:ea typeface="微軟正黑體" pitchFamily="34" charset="-120"/>
+              </a:rPr>
+              <a:t>榮耀。</a:t>
             </a:r>
             <a:r>
               <a:rPr lang="en-US" altLang="zh-TW" sz="4800" dirty="0">
@@ -4018,7 +4543,7 @@
     </p:spTree>
     <p:extLst>
       <p:ext uri="{BB962C8B-B14F-4D97-AF65-F5344CB8AC3E}">
-        <p14:creationId xmlns:p14="http://schemas.microsoft.com/office/powerpoint/2010/main" val="914401380"/>
+        <p14:creationId xmlns:p14="http://schemas.microsoft.com/office/powerpoint/2010/main" val="2607293307"/>
       </p:ext>
     </p:extLst>
   </p:cSld>
